--- a/presenting/pubmed_to_orkg_first_milestone.pptx
+++ b/presenting/pubmed_to_orkg_first_milestone.pptx
@@ -8,11 +8,11 @@
     <p:sldId id="256" r:id="rId2"/>
     <p:sldId id="257" r:id="rId3"/>
     <p:sldId id="273" r:id="rId4"/>
-    <p:sldId id="263" r:id="rId5"/>
-    <p:sldId id="264" r:id="rId6"/>
-    <p:sldId id="260" r:id="rId7"/>
-    <p:sldId id="261" r:id="rId8"/>
-    <p:sldId id="262" r:id="rId9"/>
+    <p:sldId id="260" r:id="rId5"/>
+    <p:sldId id="261" r:id="rId6"/>
+    <p:sldId id="262" r:id="rId7"/>
+    <p:sldId id="263" r:id="rId8"/>
+    <p:sldId id="264" r:id="rId9"/>
     <p:sldId id="258" r:id="rId10"/>
     <p:sldId id="259" r:id="rId11"/>
     <p:sldId id="266" r:id="rId12"/>
@@ -451,7 +451,7 @@
   <pc:docChgLst>
     <pc:chgData name="bene sellmaier" userId="b14cabc38845adbc" providerId="LiveId" clId="{65CE292E-F66C-4A31-87EC-E30FBE3BC0A7}"/>
     <pc:docChg chg="undo redo custSel addSld delSld modSld sldOrd addMainMaster delMainMaster">
-      <pc:chgData name="bene sellmaier" userId="b14cabc38845adbc" providerId="LiveId" clId="{65CE292E-F66C-4A31-87EC-E30FBE3BC0A7}" dt="2023-01-10T14:41:45.862" v="3634"/>
+      <pc:chgData name="bene sellmaier" userId="b14cabc38845adbc" providerId="LiveId" clId="{65CE292E-F66C-4A31-87EC-E30FBE3BC0A7}" dt="2023-01-10T15:01:40.697" v="3700" actId="20577"/>
       <pc:docMkLst>
         <pc:docMk/>
       </pc:docMkLst>
@@ -692,7 +692,7 @@
         </pc:picChg>
       </pc:sldChg>
       <pc:sldChg chg="addSp delSp modSp mod ord setBg">
-        <pc:chgData name="bene sellmaier" userId="b14cabc38845adbc" providerId="LiveId" clId="{65CE292E-F66C-4A31-87EC-E30FBE3BC0A7}" dt="2023-01-08T19:19:57.488" v="2894" actId="1076"/>
+        <pc:chgData name="bene sellmaier" userId="b14cabc38845adbc" providerId="LiveId" clId="{65CE292E-F66C-4A31-87EC-E30FBE3BC0A7}" dt="2023-01-10T15:00:43.989" v="3636"/>
         <pc:sldMkLst>
           <pc:docMk/>
           <pc:sldMk cId="944030059" sldId="260"/>
@@ -939,14 +939,14 @@
         </pc:picChg>
       </pc:sldChg>
       <pc:sldChg chg="ord">
-        <pc:chgData name="bene sellmaier" userId="b14cabc38845adbc" providerId="LiveId" clId="{65CE292E-F66C-4A31-87EC-E30FBE3BC0A7}" dt="2023-01-08T19:13:33.832" v="2858"/>
+        <pc:chgData name="bene sellmaier" userId="b14cabc38845adbc" providerId="LiveId" clId="{65CE292E-F66C-4A31-87EC-E30FBE3BC0A7}" dt="2023-01-10T15:00:43.989" v="3636"/>
         <pc:sldMkLst>
           <pc:docMk/>
           <pc:sldMk cId="3563967278" sldId="261"/>
         </pc:sldMkLst>
       </pc:sldChg>
       <pc:sldChg chg="addSp modSp mod ord setBg">
-        <pc:chgData name="bene sellmaier" userId="b14cabc38845adbc" providerId="LiveId" clId="{65CE292E-F66C-4A31-87EC-E30FBE3BC0A7}" dt="2023-01-08T19:21:51.944" v="2902" actId="26606"/>
+        <pc:chgData name="bene sellmaier" userId="b14cabc38845adbc" providerId="LiveId" clId="{65CE292E-F66C-4A31-87EC-E30FBE3BC0A7}" dt="2023-01-10T15:00:43.989" v="3636"/>
         <pc:sldMkLst>
           <pc:docMk/>
           <pc:sldMk cId="3334371622" sldId="262"/>
@@ -1127,7 +1127,7 @@
         </pc:picChg>
       </pc:sldChg>
       <pc:sldChg chg="addSp delSp modSp mod setBg">
-        <pc:chgData name="bene sellmaier" userId="b14cabc38845adbc" providerId="LiveId" clId="{65CE292E-F66C-4A31-87EC-E30FBE3BC0A7}" dt="2023-01-08T19:44:29.115" v="3285" actId="20577"/>
+        <pc:chgData name="bene sellmaier" userId="b14cabc38845adbc" providerId="LiveId" clId="{65CE292E-F66C-4A31-87EC-E30FBE3BC0A7}" dt="2023-01-10T15:01:40.697" v="3700" actId="20577"/>
         <pc:sldMkLst>
           <pc:docMk/>
           <pc:sldMk cId="478127153" sldId="265"/>
@@ -1141,7 +1141,7 @@
           </ac:spMkLst>
         </pc:spChg>
         <pc:spChg chg="add del mod">
-          <ac:chgData name="bene sellmaier" userId="b14cabc38845adbc" providerId="LiveId" clId="{65CE292E-F66C-4A31-87EC-E30FBE3BC0A7}" dt="2023-01-08T19:44:29.115" v="3285" actId="20577"/>
+          <ac:chgData name="bene sellmaier" userId="b14cabc38845adbc" providerId="LiveId" clId="{65CE292E-F66C-4A31-87EC-E30FBE3BC0A7}" dt="2023-01-10T15:01:40.697" v="3700" actId="20577"/>
           <ac:spMkLst>
             <pc:docMk/>
             <pc:sldMk cId="478127153" sldId="265"/>
@@ -13770,17 +13770,40 @@
               </a:rPr>
               <a:t>Agile Arbeitsweise</a:t>
             </a:r>
-          </a:p>
-          <a:p>
-            <a:pPr lvl="1"/>
+            <a:r>
+              <a:rPr lang="de-DE">
+                <a:ea typeface="+mn-lt"/>
+                <a:cs typeface="+mn-lt"/>
+              </a:rPr>
+              <a:t>: </a:t>
+            </a:r>
+            <a:r>
+              <a:rPr lang="de-DE" b="1">
+                <a:ea typeface="+mn-lt"/>
+                <a:cs typeface="+mn-lt"/>
+              </a:rPr>
+              <a:t>Sprints</a:t>
+            </a:r>
+          </a:p>
+          <a:p>
+            <a:endParaRPr lang="de-DE" dirty="0"/>
+          </a:p>
+          <a:p>
             <a:r>
               <a:rPr lang="de-DE" dirty="0">
                 <a:ea typeface="+mn-lt"/>
                 <a:cs typeface="+mn-lt"/>
               </a:rPr>
-              <a:t>Sprints</a:t>
-            </a:r>
-            <a:endParaRPr lang="de-DE" dirty="0"/>
+              <a:t>Projektdokumentation: </a:t>
+            </a:r>
+            <a:r>
+              <a:rPr lang="de-DE" b="1" dirty="0">
+                <a:ea typeface="+mn-lt"/>
+                <a:cs typeface="+mn-lt"/>
+              </a:rPr>
+              <a:t>Github</a:t>
+            </a:r>
+            <a:endParaRPr lang="de-DE" b="1" dirty="0"/>
           </a:p>
           <a:p>
             <a:pPr marL="0" indent="0">
@@ -13794,25 +13817,16 @@
                 <a:ea typeface="+mn-lt"/>
                 <a:cs typeface="+mn-lt"/>
               </a:rPr>
-              <a:t>Projektdokumentation: Github</a:t>
-            </a:r>
-            <a:endParaRPr lang="de-DE" dirty="0"/>
-          </a:p>
-          <a:p>
-            <a:pPr marL="0" indent="0">
-              <a:buNone/>
-            </a:pPr>
-            <a:endParaRPr lang="de-DE" dirty="0"/>
-          </a:p>
-          <a:p>
-            <a:r>
-              <a:rPr lang="de-DE" dirty="0">
+              <a:t>Kommunikation: </a:t>
+            </a:r>
+            <a:r>
+              <a:rPr lang="de-DE" b="1" dirty="0">
                 <a:ea typeface="+mn-lt"/>
                 <a:cs typeface="+mn-lt"/>
               </a:rPr>
-              <a:t>Kommunikation: Whatsapp und Zoom</a:t>
-            </a:r>
-            <a:endParaRPr lang="de-DE" dirty="0"/>
+              <a:t>Whatsapp und Zoom</a:t>
+            </a:r>
+            <a:endParaRPr lang="de-DE" b="1" dirty="0"/>
           </a:p>
           <a:p>
             <a:endParaRPr lang="de-DE" dirty="0"/>
@@ -18755,640 +18769,6 @@
           <p:cNvPr id="2" name="Titel 1">
             <a:extLst>
               <a:ext uri="{FF2B5EF4-FFF2-40B4-BE49-F238E27FC236}">
-                <a16:creationId xmlns:a16="http://schemas.microsoft.com/office/drawing/2014/main" id="{BE1974FD-46F0-DAF8-9D8B-0B809CCDA824}"/>
-              </a:ext>
-            </a:extLst>
-          </p:cNvPr>
-          <p:cNvSpPr>
-            <a:spLocks noGrp="1"/>
-          </p:cNvSpPr>
-          <p:nvPr>
-            <p:ph type="title"/>
-          </p:nvPr>
-        </p:nvSpPr>
-        <p:spPr/>
-        <p:txBody>
-          <a:bodyPr/>
-          <a:lstStyle/>
-          <a:p>
-            <a:r>
-              <a:rPr lang="de-DE">
-                <a:ea typeface="+mj-lt"/>
-                <a:cs typeface="+mj-lt"/>
-              </a:rPr>
-              <a:t>Stand der Dinge</a:t>
-            </a:r>
-            <a:endParaRPr lang="de-DE"/>
-          </a:p>
-        </p:txBody>
-      </p:sp>
-      <p:sp>
-        <p:nvSpPr>
-          <p:cNvPr id="3" name="Inhaltsplatzhalter 2">
-            <a:extLst>
-              <a:ext uri="{FF2B5EF4-FFF2-40B4-BE49-F238E27FC236}">
-                <a16:creationId xmlns:a16="http://schemas.microsoft.com/office/drawing/2014/main" id="{A40E2B86-6ABC-E6FE-BA43-C1DED8B4F670}"/>
-              </a:ext>
-            </a:extLst>
-          </p:cNvPr>
-          <p:cNvSpPr>
-            <a:spLocks noGrp="1"/>
-          </p:cNvSpPr>
-          <p:nvPr>
-            <p:ph idx="1"/>
-          </p:nvPr>
-        </p:nvSpPr>
-        <p:spPr/>
-        <p:txBody>
-          <a:bodyPr vert="horz" lIns="91440" tIns="45720" rIns="91440" bIns="45720" rtlCol="0" anchor="t">
-            <a:normAutofit/>
-          </a:bodyPr>
-          <a:lstStyle/>
-          <a:p>
-            <a:pPr marL="0" indent="0">
-              <a:buNone/>
-            </a:pPr>
-            <a:r>
-              <a:rPr lang="de-DE">
-                <a:ea typeface="+mn-lt"/>
-                <a:cs typeface="+mn-lt"/>
-              </a:rPr>
-              <a:t>Gute Zusammenarbeit</a:t>
-            </a:r>
-            <a:endParaRPr lang="de-DE"/>
-          </a:p>
-          <a:p>
-            <a:pPr marL="0" indent="0">
-              <a:buNone/>
-            </a:pPr>
-            <a:endParaRPr lang="de-DE"/>
-          </a:p>
-          <a:p>
-            <a:pPr marL="0" indent="0">
-              <a:buNone/>
-            </a:pPr>
-            <a:endParaRPr lang="de-DE"/>
-          </a:p>
-          <a:p>
-            <a:endParaRPr lang="de-DE"/>
-          </a:p>
-        </p:txBody>
-      </p:sp>
-      <p:pic>
-        <p:nvPicPr>
-          <p:cNvPr id="4" name="Grafik 4" descr="Ein Bild, das orange enthält.&#10;&#10;Beschreibung automatisch generiert.">
-            <a:extLst>
-              <a:ext uri="{FF2B5EF4-FFF2-40B4-BE49-F238E27FC236}">
-                <a16:creationId xmlns:a16="http://schemas.microsoft.com/office/drawing/2014/main" id="{F71B8111-0B14-48AE-005B-3E8D1819AE2D}"/>
-              </a:ext>
-            </a:extLst>
-          </p:cNvPr>
-          <p:cNvPicPr>
-            <a:picLocks noChangeAspect="1"/>
-          </p:cNvPicPr>
-          <p:nvPr/>
-        </p:nvPicPr>
-        <p:blipFill>
-          <a:blip r:embed="rId2"/>
-          <a:stretch>
-            <a:fillRect/>
-          </a:stretch>
-        </p:blipFill>
-        <p:spPr>
-          <a:xfrm>
-            <a:off x="558140" y="2568971"/>
-            <a:ext cx="4613563" cy="3461770"/>
-          </a:xfrm>
-          <a:prstGeom prst="rect">
-            <a:avLst/>
-          </a:prstGeom>
-        </p:spPr>
-      </p:pic>
-      <p:pic>
-        <p:nvPicPr>
-          <p:cNvPr id="5" name="Grafik 5" descr="Ein Bild, das Text enthält.&#10;&#10;Beschreibung automatisch generiert.">
-            <a:extLst>
-              <a:ext uri="{FF2B5EF4-FFF2-40B4-BE49-F238E27FC236}">
-                <a16:creationId xmlns:a16="http://schemas.microsoft.com/office/drawing/2014/main" id="{E6DC8049-50BD-C512-5FBC-6D7D1A337434}"/>
-              </a:ext>
-            </a:extLst>
-          </p:cNvPr>
-          <p:cNvPicPr>
-            <a:picLocks noChangeAspect="1"/>
-          </p:cNvPicPr>
-          <p:nvPr/>
-        </p:nvPicPr>
-        <p:blipFill>
-          <a:blip r:embed="rId3"/>
-          <a:stretch>
-            <a:fillRect/>
-          </a:stretch>
-        </p:blipFill>
-        <p:spPr>
-          <a:xfrm>
-            <a:off x="558140" y="6269506"/>
-            <a:ext cx="7829797" cy="711869"/>
-          </a:xfrm>
-          <a:prstGeom prst="rect">
-            <a:avLst/>
-          </a:prstGeom>
-        </p:spPr>
-      </p:pic>
-    </p:spTree>
-    <p:extLst>
-      <p:ext uri="{BB962C8B-B14F-4D97-AF65-F5344CB8AC3E}">
-        <p14:creationId xmlns:p14="http://schemas.microsoft.com/office/powerpoint/2010/main" val="4097054193"/>
-      </p:ext>
-    </p:extLst>
-  </p:cSld>
-  <p:clrMapOvr>
-    <a:masterClrMapping/>
-  </p:clrMapOvr>
-</p:sld>
-</file>
-
-<file path=ppt/slides/slide5.xml><?xml version="1.0" encoding="utf-8"?>
-<p:sld xmlns:a="http://schemas.openxmlformats.org/drawingml/2006/main" xmlns:r="http://schemas.openxmlformats.org/officeDocument/2006/relationships" xmlns:p="http://schemas.openxmlformats.org/presentationml/2006/main">
-  <p:cSld>
-    <p:spTree>
-      <p:nvGrpSpPr>
-        <p:cNvPr id="1" name=""/>
-        <p:cNvGrpSpPr/>
-        <p:nvPr/>
-      </p:nvGrpSpPr>
-      <p:grpSpPr>
-        <a:xfrm>
-          <a:off x="0" y="0"/>
-          <a:ext cx="0" cy="0"/>
-          <a:chOff x="0" y="0"/>
-          <a:chExt cx="0" cy="0"/>
-        </a:xfrm>
-      </p:grpSpPr>
-      <p:sp>
-        <p:nvSpPr>
-          <p:cNvPr id="18" name="Rectangle 17">
-            <a:extLst>
-              <a:ext uri="{FF2B5EF4-FFF2-40B4-BE49-F238E27FC236}">
-                <a16:creationId xmlns:a16="http://schemas.microsoft.com/office/drawing/2014/main" id="{458B48F7-EA22-5CF3-BE46-FB746658B2B6}"/>
-              </a:ext>
-            </a:extLst>
-          </p:cNvPr>
-          <p:cNvSpPr/>
-          <p:nvPr/>
-        </p:nvSpPr>
-        <p:spPr>
-          <a:xfrm>
-            <a:off x="120073" y="3468789"/>
-            <a:ext cx="8105292" cy="978914"/>
-          </a:xfrm>
-          <a:prstGeom prst="rect">
-            <a:avLst/>
-          </a:prstGeom>
-          <a:ln>
-            <a:noFill/>
-          </a:ln>
-        </p:spPr>
-        <p:style>
-          <a:lnRef idx="2">
-            <a:schemeClr val="accent1">
-              <a:shade val="50000"/>
-            </a:schemeClr>
-          </a:lnRef>
-          <a:fillRef idx="1">
-            <a:schemeClr val="accent1"/>
-          </a:fillRef>
-          <a:effectRef idx="0">
-            <a:schemeClr val="accent1"/>
-          </a:effectRef>
-          <a:fontRef idx="minor">
-            <a:schemeClr val="lt1"/>
-          </a:fontRef>
-        </p:style>
-        <p:txBody>
-          <a:bodyPr rtlCol="0" anchor="ctr"/>
-          <a:lstStyle/>
-          <a:p>
-            <a:pPr algn="ctr"/>
-            <a:endParaRPr lang="en-AU"/>
-          </a:p>
-        </p:txBody>
-      </p:sp>
-      <p:sp>
-        <p:nvSpPr>
-          <p:cNvPr id="19" name="Rectangle 18">
-            <a:extLst>
-              <a:ext uri="{FF2B5EF4-FFF2-40B4-BE49-F238E27FC236}">
-                <a16:creationId xmlns:a16="http://schemas.microsoft.com/office/drawing/2014/main" id="{900859D6-DEB3-07A2-B2F3-71A8D6F34CC1}"/>
-              </a:ext>
-            </a:extLst>
-          </p:cNvPr>
-          <p:cNvSpPr/>
-          <p:nvPr/>
-        </p:nvSpPr>
-        <p:spPr>
-          <a:xfrm>
-            <a:off x="120073" y="4797695"/>
-            <a:ext cx="8105292" cy="978914"/>
-          </a:xfrm>
-          <a:prstGeom prst="rect">
-            <a:avLst/>
-          </a:prstGeom>
-          <a:ln>
-            <a:noFill/>
-          </a:ln>
-        </p:spPr>
-        <p:style>
-          <a:lnRef idx="2">
-            <a:schemeClr val="accent1">
-              <a:shade val="50000"/>
-            </a:schemeClr>
-          </a:lnRef>
-          <a:fillRef idx="1">
-            <a:schemeClr val="accent1"/>
-          </a:fillRef>
-          <a:effectRef idx="0">
-            <a:schemeClr val="accent1"/>
-          </a:effectRef>
-          <a:fontRef idx="minor">
-            <a:schemeClr val="lt1"/>
-          </a:fontRef>
-        </p:style>
-        <p:txBody>
-          <a:bodyPr rtlCol="0" anchor="ctr"/>
-          <a:lstStyle/>
-          <a:p>
-            <a:pPr algn="ctr"/>
-            <a:endParaRPr lang="en-AU"/>
-          </a:p>
-        </p:txBody>
-      </p:sp>
-      <p:sp>
-        <p:nvSpPr>
-          <p:cNvPr id="17" name="Rectangle 16">
-            <a:extLst>
-              <a:ext uri="{FF2B5EF4-FFF2-40B4-BE49-F238E27FC236}">
-                <a16:creationId xmlns:a16="http://schemas.microsoft.com/office/drawing/2014/main" id="{5FEBC69E-D1A9-FFD8-12E8-2A07E999067D}"/>
-              </a:ext>
-            </a:extLst>
-          </p:cNvPr>
-          <p:cNvSpPr/>
-          <p:nvPr/>
-        </p:nvSpPr>
-        <p:spPr>
-          <a:xfrm>
-            <a:off x="120073" y="2072684"/>
-            <a:ext cx="8105292" cy="978914"/>
-          </a:xfrm>
-          <a:prstGeom prst="rect">
-            <a:avLst/>
-          </a:prstGeom>
-          <a:ln>
-            <a:noFill/>
-          </a:ln>
-        </p:spPr>
-        <p:style>
-          <a:lnRef idx="2">
-            <a:schemeClr val="accent1">
-              <a:shade val="50000"/>
-            </a:schemeClr>
-          </a:lnRef>
-          <a:fillRef idx="1">
-            <a:schemeClr val="accent1"/>
-          </a:fillRef>
-          <a:effectRef idx="0">
-            <a:schemeClr val="accent1"/>
-          </a:effectRef>
-          <a:fontRef idx="minor">
-            <a:schemeClr val="lt1"/>
-          </a:fontRef>
-        </p:style>
-        <p:txBody>
-          <a:bodyPr rtlCol="0" anchor="ctr"/>
-          <a:lstStyle/>
-          <a:p>
-            <a:pPr algn="ctr"/>
-            <a:endParaRPr lang="en-AU"/>
-          </a:p>
-        </p:txBody>
-      </p:sp>
-      <p:sp>
-        <p:nvSpPr>
-          <p:cNvPr id="2" name="Titel 1">
-            <a:extLst>
-              <a:ext uri="{FF2B5EF4-FFF2-40B4-BE49-F238E27FC236}">
-                <a16:creationId xmlns:a16="http://schemas.microsoft.com/office/drawing/2014/main" id="{CAF1899D-7A45-B915-9456-208D43417DA1}"/>
-              </a:ext>
-            </a:extLst>
-          </p:cNvPr>
-          <p:cNvSpPr>
-            <a:spLocks noGrp="1"/>
-          </p:cNvSpPr>
-          <p:nvPr>
-            <p:ph type="title"/>
-          </p:nvPr>
-        </p:nvSpPr>
-        <p:spPr>
-          <a:xfrm>
-            <a:off x="207818" y="111899"/>
-            <a:ext cx="7685037" cy="1325563"/>
-          </a:xfrm>
-        </p:spPr>
-        <p:txBody>
-          <a:bodyPr/>
-          <a:lstStyle/>
-          <a:p>
-            <a:r>
-              <a:rPr lang="de-DE" dirty="0">
-                <a:ea typeface="+mj-lt"/>
-                <a:cs typeface="+mj-lt"/>
-              </a:rPr>
-              <a:t>Stand der Dinge</a:t>
-            </a:r>
-            <a:endParaRPr lang="de-DE" dirty="0"/>
-          </a:p>
-        </p:txBody>
-      </p:sp>
-      <p:pic>
-        <p:nvPicPr>
-          <p:cNvPr id="7" name="Graphic 6" descr="Checkmark with solid fill">
-            <a:extLst>
-              <a:ext uri="{FF2B5EF4-FFF2-40B4-BE49-F238E27FC236}">
-                <a16:creationId xmlns:a16="http://schemas.microsoft.com/office/drawing/2014/main" id="{57A55AA8-6519-81CB-0FB9-EABE183B3D77}"/>
-              </a:ext>
-            </a:extLst>
-          </p:cNvPr>
-          <p:cNvPicPr>
-            <a:picLocks noChangeAspect="1"/>
-          </p:cNvPicPr>
-          <p:nvPr/>
-        </p:nvPicPr>
-        <p:blipFill>
-          <a:blip r:embed="rId2">
-            <a:extLst>
-              <a:ext uri="{28A0092B-C50C-407E-A947-70E740481C1C}">
-                <a14:useLocalDpi xmlns:a14="http://schemas.microsoft.com/office/drawing/2010/main" val="0"/>
-              </a:ext>
-              <a:ext uri="{96DAC541-7B7A-43D3-8B79-37D633B846F1}">
-                <asvg:svgBlip xmlns:asvg="http://schemas.microsoft.com/office/drawing/2016/SVG/main" r:embed="rId3"/>
-              </a:ext>
-            </a:extLst>
-          </a:blip>
-          <a:stretch>
-            <a:fillRect/>
-          </a:stretch>
-        </p:blipFill>
-        <p:spPr>
-          <a:xfrm>
-            <a:off x="374455" y="2109701"/>
-            <a:ext cx="914400" cy="914400"/>
-          </a:xfrm>
-          <a:prstGeom prst="rect">
-            <a:avLst/>
-          </a:prstGeom>
-        </p:spPr>
-      </p:pic>
-      <p:pic>
-        <p:nvPicPr>
-          <p:cNvPr id="9" name="Graphic 8" descr="Stopwatch 75% with solid fill">
-            <a:extLst>
-              <a:ext uri="{FF2B5EF4-FFF2-40B4-BE49-F238E27FC236}">
-                <a16:creationId xmlns:a16="http://schemas.microsoft.com/office/drawing/2014/main" id="{A6A82C65-E484-F034-E562-B396F6431936}"/>
-              </a:ext>
-            </a:extLst>
-          </p:cNvPr>
-          <p:cNvPicPr>
-            <a:picLocks noChangeAspect="1"/>
-          </p:cNvPicPr>
-          <p:nvPr/>
-        </p:nvPicPr>
-        <p:blipFill>
-          <a:blip r:embed="rId4">
-            <a:extLst>
-              <a:ext uri="{28A0092B-C50C-407E-A947-70E740481C1C}">
-                <a14:useLocalDpi xmlns:a14="http://schemas.microsoft.com/office/drawing/2010/main" val="0"/>
-              </a:ext>
-              <a:ext uri="{96DAC541-7B7A-43D3-8B79-37D633B846F1}">
-                <asvg:svgBlip xmlns:asvg="http://schemas.microsoft.com/office/drawing/2016/SVG/main" r:embed="rId5"/>
-              </a:ext>
-            </a:extLst>
-          </a:blip>
-          <a:stretch>
-            <a:fillRect/>
-          </a:stretch>
-        </p:blipFill>
-        <p:spPr>
-          <a:xfrm>
-            <a:off x="207818" y="4833244"/>
-            <a:ext cx="914400" cy="914400"/>
-          </a:xfrm>
-          <a:prstGeom prst="rect">
-            <a:avLst/>
-          </a:prstGeom>
-        </p:spPr>
-      </p:pic>
-      <p:pic>
-        <p:nvPicPr>
-          <p:cNvPr id="11" name="Graphic 10" descr="Hurdle with solid fill">
-            <a:extLst>
-              <a:ext uri="{FF2B5EF4-FFF2-40B4-BE49-F238E27FC236}">
-                <a16:creationId xmlns:a16="http://schemas.microsoft.com/office/drawing/2014/main" id="{47A18166-7C55-1C16-8A39-2392867FD7F5}"/>
-              </a:ext>
-            </a:extLst>
-          </p:cNvPr>
-          <p:cNvPicPr>
-            <a:picLocks noChangeAspect="1"/>
-          </p:cNvPicPr>
-          <p:nvPr/>
-        </p:nvPicPr>
-        <p:blipFill>
-          <a:blip r:embed="rId6">
-            <a:extLst>
-              <a:ext uri="{28A0092B-C50C-407E-A947-70E740481C1C}">
-                <a14:useLocalDpi xmlns:a14="http://schemas.microsoft.com/office/drawing/2010/main" val="0"/>
-              </a:ext>
-              <a:ext uri="{96DAC541-7B7A-43D3-8B79-37D633B846F1}">
-                <asvg:svgBlip xmlns:asvg="http://schemas.microsoft.com/office/drawing/2016/SVG/main" r:embed="rId7"/>
-              </a:ext>
-            </a:extLst>
-          </a:blip>
-          <a:stretch>
-            <a:fillRect/>
-          </a:stretch>
-        </p:blipFill>
-        <p:spPr>
-          <a:xfrm>
-            <a:off x="207818" y="3461022"/>
-            <a:ext cx="914400" cy="914400"/>
-          </a:xfrm>
-          <a:prstGeom prst="rect">
-            <a:avLst/>
-          </a:prstGeom>
-        </p:spPr>
-      </p:pic>
-      <p:sp>
-        <p:nvSpPr>
-          <p:cNvPr id="12" name="TextBox 11">
-            <a:extLst>
-              <a:ext uri="{FF2B5EF4-FFF2-40B4-BE49-F238E27FC236}">
-                <a16:creationId xmlns:a16="http://schemas.microsoft.com/office/drawing/2014/main" id="{22D2533A-6F96-1793-39D1-3BD4AAA54FC8}"/>
-              </a:ext>
-            </a:extLst>
-          </p:cNvPr>
-          <p:cNvSpPr txBox="1"/>
-          <p:nvPr/>
-        </p:nvSpPr>
-        <p:spPr>
-          <a:xfrm>
-            <a:off x="1524000" y="2118018"/>
-            <a:ext cx="7065818" cy="1200329"/>
-          </a:xfrm>
-          <a:prstGeom prst="rect">
-            <a:avLst/>
-          </a:prstGeom>
-          <a:noFill/>
-        </p:spPr>
-        <p:txBody>
-          <a:bodyPr wrap="square" rtlCol="0">
-            <a:spAutoFit/>
-          </a:bodyPr>
-          <a:lstStyle/>
-          <a:p>
-            <a:r>
-              <a:rPr lang="de-DE" dirty="0">
-                <a:ea typeface="+mn-lt"/>
-                <a:cs typeface="+mn-lt"/>
-              </a:rPr>
-              <a:t>Erstes erfolgreiches extrahieren von einigen Daten aus der PubMed Datenbank</a:t>
-            </a:r>
-          </a:p>
-          <a:p>
-            <a:pPr lvl="1"/>
-            <a:r>
-              <a:rPr lang="de-DE" dirty="0">
-                <a:ea typeface="+mn-lt"/>
-                <a:cs typeface="+mn-lt"/>
-              </a:rPr>
-              <a:t>wie z.B. Lebewesen und GC-Gehalt</a:t>
-            </a:r>
-            <a:endParaRPr lang="de-DE" dirty="0"/>
-          </a:p>
-          <a:p>
-            <a:endParaRPr lang="en-AU" dirty="0"/>
-          </a:p>
-        </p:txBody>
-      </p:sp>
-      <p:sp>
-        <p:nvSpPr>
-          <p:cNvPr id="13" name="TextBox 12">
-            <a:extLst>
-              <a:ext uri="{FF2B5EF4-FFF2-40B4-BE49-F238E27FC236}">
-                <a16:creationId xmlns:a16="http://schemas.microsoft.com/office/drawing/2014/main" id="{0DECB1F0-E95D-CCB1-439D-C4B8F9EB725D}"/>
-              </a:ext>
-            </a:extLst>
-          </p:cNvPr>
-          <p:cNvSpPr txBox="1"/>
-          <p:nvPr/>
-        </p:nvSpPr>
-        <p:spPr>
-          <a:xfrm>
-            <a:off x="1524000" y="3775258"/>
-            <a:ext cx="7065818" cy="369332"/>
-          </a:xfrm>
-          <a:prstGeom prst="rect">
-            <a:avLst/>
-          </a:prstGeom>
-          <a:noFill/>
-        </p:spPr>
-        <p:txBody>
-          <a:bodyPr wrap="square" rtlCol="0">
-            <a:spAutoFit/>
-          </a:bodyPr>
-          <a:lstStyle/>
-          <a:p>
-            <a:r>
-              <a:rPr lang="de-DE" dirty="0">
-                <a:ea typeface="+mn-lt"/>
-                <a:cs typeface="+mn-lt"/>
-              </a:rPr>
-              <a:t>Verfizierungsprobleme</a:t>
-            </a:r>
-          </a:p>
-        </p:txBody>
-      </p:sp>
-      <p:sp>
-        <p:nvSpPr>
-          <p:cNvPr id="14" name="TextBox 13">
-            <a:extLst>
-              <a:ext uri="{FF2B5EF4-FFF2-40B4-BE49-F238E27FC236}">
-                <a16:creationId xmlns:a16="http://schemas.microsoft.com/office/drawing/2014/main" id="{ADB2C88E-6FE9-B9F5-5B51-0EC24A840D4E}"/>
-              </a:ext>
-            </a:extLst>
-          </p:cNvPr>
-          <p:cNvSpPr txBox="1"/>
-          <p:nvPr/>
-        </p:nvSpPr>
-        <p:spPr>
-          <a:xfrm>
-            <a:off x="1524000" y="5105778"/>
-            <a:ext cx="7065818" cy="369332"/>
-          </a:xfrm>
-          <a:prstGeom prst="rect">
-            <a:avLst/>
-          </a:prstGeom>
-          <a:noFill/>
-        </p:spPr>
-        <p:txBody>
-          <a:bodyPr wrap="square" rtlCol="0">
-            <a:spAutoFit/>
-          </a:bodyPr>
-          <a:lstStyle/>
-          <a:p>
-            <a:r>
-              <a:rPr lang="de-DE" dirty="0">
-                <a:ea typeface="+mn-lt"/>
-                <a:cs typeface="+mn-lt"/>
-              </a:rPr>
-              <a:t>Keine Verbindung zwischen Code und in ORKG</a:t>
-            </a:r>
-            <a:endParaRPr lang="de-DE" dirty="0"/>
-          </a:p>
-        </p:txBody>
-      </p:sp>
-    </p:spTree>
-    <p:extLst>
-      <p:ext uri="{BB962C8B-B14F-4D97-AF65-F5344CB8AC3E}">
-        <p14:creationId xmlns:p14="http://schemas.microsoft.com/office/powerpoint/2010/main" val="564061367"/>
-      </p:ext>
-    </p:extLst>
-  </p:cSld>
-  <p:clrMapOvr>
-    <a:masterClrMapping/>
-  </p:clrMapOvr>
-</p:sld>
-</file>
-
-<file path=ppt/slides/slide6.xml><?xml version="1.0" encoding="utf-8"?>
-<p:sld xmlns:a="http://schemas.openxmlformats.org/drawingml/2006/main" xmlns:r="http://schemas.openxmlformats.org/officeDocument/2006/relationships" xmlns:p="http://schemas.openxmlformats.org/presentationml/2006/main">
-  <p:cSld>
-    <p:spTree>
-      <p:nvGrpSpPr>
-        <p:cNvPr id="1" name=""/>
-        <p:cNvGrpSpPr/>
-        <p:nvPr/>
-      </p:nvGrpSpPr>
-      <p:grpSpPr>
-        <a:xfrm>
-          <a:off x="0" y="0"/>
-          <a:ext cx="0" cy="0"/>
-          <a:chOff x="0" y="0"/>
-          <a:chExt cx="0" cy="0"/>
-        </a:xfrm>
-      </p:grpSpPr>
-      <p:sp>
-        <p:nvSpPr>
-          <p:cNvPr id="2" name="Titel 1">
-            <a:extLst>
-              <a:ext uri="{FF2B5EF4-FFF2-40B4-BE49-F238E27FC236}">
                 <a16:creationId xmlns:a16="http://schemas.microsoft.com/office/drawing/2014/main" id="{5D3ADBF8-CCF8-F29C-EE9E-8536A608E477}"/>
               </a:ext>
             </a:extLst>
@@ -19518,7 +18898,7 @@
 </p:sld>
 </file>
 
-<file path=ppt/slides/slide7.xml><?xml version="1.0" encoding="utf-8"?>
+<file path=ppt/slides/slide5.xml><?xml version="1.0" encoding="utf-8"?>
 <p:sld xmlns:a="http://schemas.openxmlformats.org/drawingml/2006/main" xmlns:r="http://schemas.openxmlformats.org/officeDocument/2006/relationships" xmlns:p="http://schemas.openxmlformats.org/presentationml/2006/main">
   <p:cSld>
     <p:spTree>
@@ -19635,7 +19015,7 @@
 </p:sld>
 </file>
 
-<file path=ppt/slides/slide8.xml><?xml version="1.0" encoding="utf-8"?>
+<file path=ppt/slides/slide6.xml><?xml version="1.0" encoding="utf-8"?>
 <p:sld xmlns:a="http://schemas.openxmlformats.org/drawingml/2006/main" xmlns:r="http://schemas.openxmlformats.org/officeDocument/2006/relationships" xmlns:p="http://schemas.openxmlformats.org/presentationml/2006/main">
   <p:cSld>
     <p:bg>
@@ -20458,6 +19838,640 @@
     <p:extLst>
       <p:ext uri="{BB962C8B-B14F-4D97-AF65-F5344CB8AC3E}">
         <p14:creationId xmlns:p14="http://schemas.microsoft.com/office/powerpoint/2010/main" val="3334371622"/>
+      </p:ext>
+    </p:extLst>
+  </p:cSld>
+  <p:clrMapOvr>
+    <a:masterClrMapping/>
+  </p:clrMapOvr>
+</p:sld>
+</file>
+
+<file path=ppt/slides/slide7.xml><?xml version="1.0" encoding="utf-8"?>
+<p:sld xmlns:a="http://schemas.openxmlformats.org/drawingml/2006/main" xmlns:r="http://schemas.openxmlformats.org/officeDocument/2006/relationships" xmlns:p="http://schemas.openxmlformats.org/presentationml/2006/main">
+  <p:cSld>
+    <p:spTree>
+      <p:nvGrpSpPr>
+        <p:cNvPr id="1" name=""/>
+        <p:cNvGrpSpPr/>
+        <p:nvPr/>
+      </p:nvGrpSpPr>
+      <p:grpSpPr>
+        <a:xfrm>
+          <a:off x="0" y="0"/>
+          <a:ext cx="0" cy="0"/>
+          <a:chOff x="0" y="0"/>
+          <a:chExt cx="0" cy="0"/>
+        </a:xfrm>
+      </p:grpSpPr>
+      <p:sp>
+        <p:nvSpPr>
+          <p:cNvPr id="2" name="Titel 1">
+            <a:extLst>
+              <a:ext uri="{FF2B5EF4-FFF2-40B4-BE49-F238E27FC236}">
+                <a16:creationId xmlns:a16="http://schemas.microsoft.com/office/drawing/2014/main" id="{BE1974FD-46F0-DAF8-9D8B-0B809CCDA824}"/>
+              </a:ext>
+            </a:extLst>
+          </p:cNvPr>
+          <p:cNvSpPr>
+            <a:spLocks noGrp="1"/>
+          </p:cNvSpPr>
+          <p:nvPr>
+            <p:ph type="title"/>
+          </p:nvPr>
+        </p:nvSpPr>
+        <p:spPr/>
+        <p:txBody>
+          <a:bodyPr/>
+          <a:lstStyle/>
+          <a:p>
+            <a:r>
+              <a:rPr lang="de-DE">
+                <a:ea typeface="+mj-lt"/>
+                <a:cs typeface="+mj-lt"/>
+              </a:rPr>
+              <a:t>Stand der Dinge</a:t>
+            </a:r>
+            <a:endParaRPr lang="de-DE"/>
+          </a:p>
+        </p:txBody>
+      </p:sp>
+      <p:sp>
+        <p:nvSpPr>
+          <p:cNvPr id="3" name="Inhaltsplatzhalter 2">
+            <a:extLst>
+              <a:ext uri="{FF2B5EF4-FFF2-40B4-BE49-F238E27FC236}">
+                <a16:creationId xmlns:a16="http://schemas.microsoft.com/office/drawing/2014/main" id="{A40E2B86-6ABC-E6FE-BA43-C1DED8B4F670}"/>
+              </a:ext>
+            </a:extLst>
+          </p:cNvPr>
+          <p:cNvSpPr>
+            <a:spLocks noGrp="1"/>
+          </p:cNvSpPr>
+          <p:nvPr>
+            <p:ph idx="1"/>
+          </p:nvPr>
+        </p:nvSpPr>
+        <p:spPr/>
+        <p:txBody>
+          <a:bodyPr vert="horz" lIns="91440" tIns="45720" rIns="91440" bIns="45720" rtlCol="0" anchor="t">
+            <a:normAutofit/>
+          </a:bodyPr>
+          <a:lstStyle/>
+          <a:p>
+            <a:pPr marL="0" indent="0">
+              <a:buNone/>
+            </a:pPr>
+            <a:r>
+              <a:rPr lang="de-DE">
+                <a:ea typeface="+mn-lt"/>
+                <a:cs typeface="+mn-lt"/>
+              </a:rPr>
+              <a:t>Gute Zusammenarbeit</a:t>
+            </a:r>
+            <a:endParaRPr lang="de-DE"/>
+          </a:p>
+          <a:p>
+            <a:pPr marL="0" indent="0">
+              <a:buNone/>
+            </a:pPr>
+            <a:endParaRPr lang="de-DE"/>
+          </a:p>
+          <a:p>
+            <a:pPr marL="0" indent="0">
+              <a:buNone/>
+            </a:pPr>
+            <a:endParaRPr lang="de-DE"/>
+          </a:p>
+          <a:p>
+            <a:endParaRPr lang="de-DE"/>
+          </a:p>
+        </p:txBody>
+      </p:sp>
+      <p:pic>
+        <p:nvPicPr>
+          <p:cNvPr id="4" name="Grafik 4" descr="Ein Bild, das orange enthält.&#10;&#10;Beschreibung automatisch generiert.">
+            <a:extLst>
+              <a:ext uri="{FF2B5EF4-FFF2-40B4-BE49-F238E27FC236}">
+                <a16:creationId xmlns:a16="http://schemas.microsoft.com/office/drawing/2014/main" id="{F71B8111-0B14-48AE-005B-3E8D1819AE2D}"/>
+              </a:ext>
+            </a:extLst>
+          </p:cNvPr>
+          <p:cNvPicPr>
+            <a:picLocks noChangeAspect="1"/>
+          </p:cNvPicPr>
+          <p:nvPr/>
+        </p:nvPicPr>
+        <p:blipFill>
+          <a:blip r:embed="rId2"/>
+          <a:stretch>
+            <a:fillRect/>
+          </a:stretch>
+        </p:blipFill>
+        <p:spPr>
+          <a:xfrm>
+            <a:off x="558140" y="2568971"/>
+            <a:ext cx="4613563" cy="3461770"/>
+          </a:xfrm>
+          <a:prstGeom prst="rect">
+            <a:avLst/>
+          </a:prstGeom>
+        </p:spPr>
+      </p:pic>
+      <p:pic>
+        <p:nvPicPr>
+          <p:cNvPr id="5" name="Grafik 5" descr="Ein Bild, das Text enthält.&#10;&#10;Beschreibung automatisch generiert.">
+            <a:extLst>
+              <a:ext uri="{FF2B5EF4-FFF2-40B4-BE49-F238E27FC236}">
+                <a16:creationId xmlns:a16="http://schemas.microsoft.com/office/drawing/2014/main" id="{E6DC8049-50BD-C512-5FBC-6D7D1A337434}"/>
+              </a:ext>
+            </a:extLst>
+          </p:cNvPr>
+          <p:cNvPicPr>
+            <a:picLocks noChangeAspect="1"/>
+          </p:cNvPicPr>
+          <p:nvPr/>
+        </p:nvPicPr>
+        <p:blipFill>
+          <a:blip r:embed="rId3"/>
+          <a:stretch>
+            <a:fillRect/>
+          </a:stretch>
+        </p:blipFill>
+        <p:spPr>
+          <a:xfrm>
+            <a:off x="558140" y="6269506"/>
+            <a:ext cx="7829797" cy="711869"/>
+          </a:xfrm>
+          <a:prstGeom prst="rect">
+            <a:avLst/>
+          </a:prstGeom>
+        </p:spPr>
+      </p:pic>
+    </p:spTree>
+    <p:extLst>
+      <p:ext uri="{BB962C8B-B14F-4D97-AF65-F5344CB8AC3E}">
+        <p14:creationId xmlns:p14="http://schemas.microsoft.com/office/powerpoint/2010/main" val="4097054193"/>
+      </p:ext>
+    </p:extLst>
+  </p:cSld>
+  <p:clrMapOvr>
+    <a:masterClrMapping/>
+  </p:clrMapOvr>
+</p:sld>
+</file>
+
+<file path=ppt/slides/slide8.xml><?xml version="1.0" encoding="utf-8"?>
+<p:sld xmlns:a="http://schemas.openxmlformats.org/drawingml/2006/main" xmlns:r="http://schemas.openxmlformats.org/officeDocument/2006/relationships" xmlns:p="http://schemas.openxmlformats.org/presentationml/2006/main">
+  <p:cSld>
+    <p:spTree>
+      <p:nvGrpSpPr>
+        <p:cNvPr id="1" name=""/>
+        <p:cNvGrpSpPr/>
+        <p:nvPr/>
+      </p:nvGrpSpPr>
+      <p:grpSpPr>
+        <a:xfrm>
+          <a:off x="0" y="0"/>
+          <a:ext cx="0" cy="0"/>
+          <a:chOff x="0" y="0"/>
+          <a:chExt cx="0" cy="0"/>
+        </a:xfrm>
+      </p:grpSpPr>
+      <p:sp>
+        <p:nvSpPr>
+          <p:cNvPr id="18" name="Rectangle 17">
+            <a:extLst>
+              <a:ext uri="{FF2B5EF4-FFF2-40B4-BE49-F238E27FC236}">
+                <a16:creationId xmlns:a16="http://schemas.microsoft.com/office/drawing/2014/main" id="{458B48F7-EA22-5CF3-BE46-FB746658B2B6}"/>
+              </a:ext>
+            </a:extLst>
+          </p:cNvPr>
+          <p:cNvSpPr/>
+          <p:nvPr/>
+        </p:nvSpPr>
+        <p:spPr>
+          <a:xfrm>
+            <a:off x="120073" y="3468789"/>
+            <a:ext cx="8105292" cy="978914"/>
+          </a:xfrm>
+          <a:prstGeom prst="rect">
+            <a:avLst/>
+          </a:prstGeom>
+          <a:ln>
+            <a:noFill/>
+          </a:ln>
+        </p:spPr>
+        <p:style>
+          <a:lnRef idx="2">
+            <a:schemeClr val="accent1">
+              <a:shade val="50000"/>
+            </a:schemeClr>
+          </a:lnRef>
+          <a:fillRef idx="1">
+            <a:schemeClr val="accent1"/>
+          </a:fillRef>
+          <a:effectRef idx="0">
+            <a:schemeClr val="accent1"/>
+          </a:effectRef>
+          <a:fontRef idx="minor">
+            <a:schemeClr val="lt1"/>
+          </a:fontRef>
+        </p:style>
+        <p:txBody>
+          <a:bodyPr rtlCol="0" anchor="ctr"/>
+          <a:lstStyle/>
+          <a:p>
+            <a:pPr algn="ctr"/>
+            <a:endParaRPr lang="en-AU"/>
+          </a:p>
+        </p:txBody>
+      </p:sp>
+      <p:sp>
+        <p:nvSpPr>
+          <p:cNvPr id="19" name="Rectangle 18">
+            <a:extLst>
+              <a:ext uri="{FF2B5EF4-FFF2-40B4-BE49-F238E27FC236}">
+                <a16:creationId xmlns:a16="http://schemas.microsoft.com/office/drawing/2014/main" id="{900859D6-DEB3-07A2-B2F3-71A8D6F34CC1}"/>
+              </a:ext>
+            </a:extLst>
+          </p:cNvPr>
+          <p:cNvSpPr/>
+          <p:nvPr/>
+        </p:nvSpPr>
+        <p:spPr>
+          <a:xfrm>
+            <a:off x="120073" y="4797695"/>
+            <a:ext cx="8105292" cy="978914"/>
+          </a:xfrm>
+          <a:prstGeom prst="rect">
+            <a:avLst/>
+          </a:prstGeom>
+          <a:ln>
+            <a:noFill/>
+          </a:ln>
+        </p:spPr>
+        <p:style>
+          <a:lnRef idx="2">
+            <a:schemeClr val="accent1">
+              <a:shade val="50000"/>
+            </a:schemeClr>
+          </a:lnRef>
+          <a:fillRef idx="1">
+            <a:schemeClr val="accent1"/>
+          </a:fillRef>
+          <a:effectRef idx="0">
+            <a:schemeClr val="accent1"/>
+          </a:effectRef>
+          <a:fontRef idx="minor">
+            <a:schemeClr val="lt1"/>
+          </a:fontRef>
+        </p:style>
+        <p:txBody>
+          <a:bodyPr rtlCol="0" anchor="ctr"/>
+          <a:lstStyle/>
+          <a:p>
+            <a:pPr algn="ctr"/>
+            <a:endParaRPr lang="en-AU"/>
+          </a:p>
+        </p:txBody>
+      </p:sp>
+      <p:sp>
+        <p:nvSpPr>
+          <p:cNvPr id="17" name="Rectangle 16">
+            <a:extLst>
+              <a:ext uri="{FF2B5EF4-FFF2-40B4-BE49-F238E27FC236}">
+                <a16:creationId xmlns:a16="http://schemas.microsoft.com/office/drawing/2014/main" id="{5FEBC69E-D1A9-FFD8-12E8-2A07E999067D}"/>
+              </a:ext>
+            </a:extLst>
+          </p:cNvPr>
+          <p:cNvSpPr/>
+          <p:nvPr/>
+        </p:nvSpPr>
+        <p:spPr>
+          <a:xfrm>
+            <a:off x="120073" y="2072684"/>
+            <a:ext cx="8105292" cy="978914"/>
+          </a:xfrm>
+          <a:prstGeom prst="rect">
+            <a:avLst/>
+          </a:prstGeom>
+          <a:ln>
+            <a:noFill/>
+          </a:ln>
+        </p:spPr>
+        <p:style>
+          <a:lnRef idx="2">
+            <a:schemeClr val="accent1">
+              <a:shade val="50000"/>
+            </a:schemeClr>
+          </a:lnRef>
+          <a:fillRef idx="1">
+            <a:schemeClr val="accent1"/>
+          </a:fillRef>
+          <a:effectRef idx="0">
+            <a:schemeClr val="accent1"/>
+          </a:effectRef>
+          <a:fontRef idx="minor">
+            <a:schemeClr val="lt1"/>
+          </a:fontRef>
+        </p:style>
+        <p:txBody>
+          <a:bodyPr rtlCol="0" anchor="ctr"/>
+          <a:lstStyle/>
+          <a:p>
+            <a:pPr algn="ctr"/>
+            <a:endParaRPr lang="en-AU"/>
+          </a:p>
+        </p:txBody>
+      </p:sp>
+      <p:sp>
+        <p:nvSpPr>
+          <p:cNvPr id="2" name="Titel 1">
+            <a:extLst>
+              <a:ext uri="{FF2B5EF4-FFF2-40B4-BE49-F238E27FC236}">
+                <a16:creationId xmlns:a16="http://schemas.microsoft.com/office/drawing/2014/main" id="{CAF1899D-7A45-B915-9456-208D43417DA1}"/>
+              </a:ext>
+            </a:extLst>
+          </p:cNvPr>
+          <p:cNvSpPr>
+            <a:spLocks noGrp="1"/>
+          </p:cNvSpPr>
+          <p:nvPr>
+            <p:ph type="title"/>
+          </p:nvPr>
+        </p:nvSpPr>
+        <p:spPr>
+          <a:xfrm>
+            <a:off x="207818" y="111899"/>
+            <a:ext cx="7685037" cy="1325563"/>
+          </a:xfrm>
+        </p:spPr>
+        <p:txBody>
+          <a:bodyPr/>
+          <a:lstStyle/>
+          <a:p>
+            <a:r>
+              <a:rPr lang="de-DE" dirty="0">
+                <a:ea typeface="+mj-lt"/>
+                <a:cs typeface="+mj-lt"/>
+              </a:rPr>
+              <a:t>Stand der Dinge</a:t>
+            </a:r>
+            <a:endParaRPr lang="de-DE" dirty="0"/>
+          </a:p>
+        </p:txBody>
+      </p:sp>
+      <p:pic>
+        <p:nvPicPr>
+          <p:cNvPr id="7" name="Graphic 6" descr="Checkmark with solid fill">
+            <a:extLst>
+              <a:ext uri="{FF2B5EF4-FFF2-40B4-BE49-F238E27FC236}">
+                <a16:creationId xmlns:a16="http://schemas.microsoft.com/office/drawing/2014/main" id="{57A55AA8-6519-81CB-0FB9-EABE183B3D77}"/>
+              </a:ext>
+            </a:extLst>
+          </p:cNvPr>
+          <p:cNvPicPr>
+            <a:picLocks noChangeAspect="1"/>
+          </p:cNvPicPr>
+          <p:nvPr/>
+        </p:nvPicPr>
+        <p:blipFill>
+          <a:blip r:embed="rId2">
+            <a:extLst>
+              <a:ext uri="{28A0092B-C50C-407E-A947-70E740481C1C}">
+                <a14:useLocalDpi xmlns:a14="http://schemas.microsoft.com/office/drawing/2010/main" val="0"/>
+              </a:ext>
+              <a:ext uri="{96DAC541-7B7A-43D3-8B79-37D633B846F1}">
+                <asvg:svgBlip xmlns:asvg="http://schemas.microsoft.com/office/drawing/2016/SVG/main" r:embed="rId3"/>
+              </a:ext>
+            </a:extLst>
+          </a:blip>
+          <a:stretch>
+            <a:fillRect/>
+          </a:stretch>
+        </p:blipFill>
+        <p:spPr>
+          <a:xfrm>
+            <a:off x="374455" y="2109701"/>
+            <a:ext cx="914400" cy="914400"/>
+          </a:xfrm>
+          <a:prstGeom prst="rect">
+            <a:avLst/>
+          </a:prstGeom>
+        </p:spPr>
+      </p:pic>
+      <p:pic>
+        <p:nvPicPr>
+          <p:cNvPr id="9" name="Graphic 8" descr="Stopwatch 75% with solid fill">
+            <a:extLst>
+              <a:ext uri="{FF2B5EF4-FFF2-40B4-BE49-F238E27FC236}">
+                <a16:creationId xmlns:a16="http://schemas.microsoft.com/office/drawing/2014/main" id="{A6A82C65-E484-F034-E562-B396F6431936}"/>
+              </a:ext>
+            </a:extLst>
+          </p:cNvPr>
+          <p:cNvPicPr>
+            <a:picLocks noChangeAspect="1"/>
+          </p:cNvPicPr>
+          <p:nvPr/>
+        </p:nvPicPr>
+        <p:blipFill>
+          <a:blip r:embed="rId4">
+            <a:extLst>
+              <a:ext uri="{28A0092B-C50C-407E-A947-70E740481C1C}">
+                <a14:useLocalDpi xmlns:a14="http://schemas.microsoft.com/office/drawing/2010/main" val="0"/>
+              </a:ext>
+              <a:ext uri="{96DAC541-7B7A-43D3-8B79-37D633B846F1}">
+                <asvg:svgBlip xmlns:asvg="http://schemas.microsoft.com/office/drawing/2016/SVG/main" r:embed="rId5"/>
+              </a:ext>
+            </a:extLst>
+          </a:blip>
+          <a:stretch>
+            <a:fillRect/>
+          </a:stretch>
+        </p:blipFill>
+        <p:spPr>
+          <a:xfrm>
+            <a:off x="207818" y="4833244"/>
+            <a:ext cx="914400" cy="914400"/>
+          </a:xfrm>
+          <a:prstGeom prst="rect">
+            <a:avLst/>
+          </a:prstGeom>
+        </p:spPr>
+      </p:pic>
+      <p:pic>
+        <p:nvPicPr>
+          <p:cNvPr id="11" name="Graphic 10" descr="Hurdle with solid fill">
+            <a:extLst>
+              <a:ext uri="{FF2B5EF4-FFF2-40B4-BE49-F238E27FC236}">
+                <a16:creationId xmlns:a16="http://schemas.microsoft.com/office/drawing/2014/main" id="{47A18166-7C55-1C16-8A39-2392867FD7F5}"/>
+              </a:ext>
+            </a:extLst>
+          </p:cNvPr>
+          <p:cNvPicPr>
+            <a:picLocks noChangeAspect="1"/>
+          </p:cNvPicPr>
+          <p:nvPr/>
+        </p:nvPicPr>
+        <p:blipFill>
+          <a:blip r:embed="rId6">
+            <a:extLst>
+              <a:ext uri="{28A0092B-C50C-407E-A947-70E740481C1C}">
+                <a14:useLocalDpi xmlns:a14="http://schemas.microsoft.com/office/drawing/2010/main" val="0"/>
+              </a:ext>
+              <a:ext uri="{96DAC541-7B7A-43D3-8B79-37D633B846F1}">
+                <asvg:svgBlip xmlns:asvg="http://schemas.microsoft.com/office/drawing/2016/SVG/main" r:embed="rId7"/>
+              </a:ext>
+            </a:extLst>
+          </a:blip>
+          <a:stretch>
+            <a:fillRect/>
+          </a:stretch>
+        </p:blipFill>
+        <p:spPr>
+          <a:xfrm>
+            <a:off x="207818" y="3461022"/>
+            <a:ext cx="914400" cy="914400"/>
+          </a:xfrm>
+          <a:prstGeom prst="rect">
+            <a:avLst/>
+          </a:prstGeom>
+        </p:spPr>
+      </p:pic>
+      <p:sp>
+        <p:nvSpPr>
+          <p:cNvPr id="12" name="TextBox 11">
+            <a:extLst>
+              <a:ext uri="{FF2B5EF4-FFF2-40B4-BE49-F238E27FC236}">
+                <a16:creationId xmlns:a16="http://schemas.microsoft.com/office/drawing/2014/main" id="{22D2533A-6F96-1793-39D1-3BD4AAA54FC8}"/>
+              </a:ext>
+            </a:extLst>
+          </p:cNvPr>
+          <p:cNvSpPr txBox="1"/>
+          <p:nvPr/>
+        </p:nvSpPr>
+        <p:spPr>
+          <a:xfrm>
+            <a:off x="1524000" y="2118018"/>
+            <a:ext cx="7065818" cy="1200329"/>
+          </a:xfrm>
+          <a:prstGeom prst="rect">
+            <a:avLst/>
+          </a:prstGeom>
+          <a:noFill/>
+        </p:spPr>
+        <p:txBody>
+          <a:bodyPr wrap="square" rtlCol="0">
+            <a:spAutoFit/>
+          </a:bodyPr>
+          <a:lstStyle/>
+          <a:p>
+            <a:r>
+              <a:rPr lang="de-DE" dirty="0">
+                <a:ea typeface="+mn-lt"/>
+                <a:cs typeface="+mn-lt"/>
+              </a:rPr>
+              <a:t>Erstes erfolgreiches extrahieren von einigen Daten aus der PubMed Datenbank</a:t>
+            </a:r>
+          </a:p>
+          <a:p>
+            <a:pPr lvl="1"/>
+            <a:r>
+              <a:rPr lang="de-DE" dirty="0">
+                <a:ea typeface="+mn-lt"/>
+                <a:cs typeface="+mn-lt"/>
+              </a:rPr>
+              <a:t>wie z.B. Lebewesen und GC-Gehalt</a:t>
+            </a:r>
+            <a:endParaRPr lang="de-DE" dirty="0"/>
+          </a:p>
+          <a:p>
+            <a:endParaRPr lang="en-AU" dirty="0"/>
+          </a:p>
+        </p:txBody>
+      </p:sp>
+      <p:sp>
+        <p:nvSpPr>
+          <p:cNvPr id="13" name="TextBox 12">
+            <a:extLst>
+              <a:ext uri="{FF2B5EF4-FFF2-40B4-BE49-F238E27FC236}">
+                <a16:creationId xmlns:a16="http://schemas.microsoft.com/office/drawing/2014/main" id="{0DECB1F0-E95D-CCB1-439D-C4B8F9EB725D}"/>
+              </a:ext>
+            </a:extLst>
+          </p:cNvPr>
+          <p:cNvSpPr txBox="1"/>
+          <p:nvPr/>
+        </p:nvSpPr>
+        <p:spPr>
+          <a:xfrm>
+            <a:off x="1524000" y="3775258"/>
+            <a:ext cx="7065818" cy="369332"/>
+          </a:xfrm>
+          <a:prstGeom prst="rect">
+            <a:avLst/>
+          </a:prstGeom>
+          <a:noFill/>
+        </p:spPr>
+        <p:txBody>
+          <a:bodyPr wrap="square" rtlCol="0">
+            <a:spAutoFit/>
+          </a:bodyPr>
+          <a:lstStyle/>
+          <a:p>
+            <a:r>
+              <a:rPr lang="de-DE" dirty="0">
+                <a:ea typeface="+mn-lt"/>
+                <a:cs typeface="+mn-lt"/>
+              </a:rPr>
+              <a:t>Verfizierungsprobleme</a:t>
+            </a:r>
+          </a:p>
+        </p:txBody>
+      </p:sp>
+      <p:sp>
+        <p:nvSpPr>
+          <p:cNvPr id="14" name="TextBox 13">
+            <a:extLst>
+              <a:ext uri="{FF2B5EF4-FFF2-40B4-BE49-F238E27FC236}">
+                <a16:creationId xmlns:a16="http://schemas.microsoft.com/office/drawing/2014/main" id="{ADB2C88E-6FE9-B9F5-5B51-0EC24A840D4E}"/>
+              </a:ext>
+            </a:extLst>
+          </p:cNvPr>
+          <p:cNvSpPr txBox="1"/>
+          <p:nvPr/>
+        </p:nvSpPr>
+        <p:spPr>
+          <a:xfrm>
+            <a:off x="1524000" y="5105778"/>
+            <a:ext cx="7065818" cy="369332"/>
+          </a:xfrm>
+          <a:prstGeom prst="rect">
+            <a:avLst/>
+          </a:prstGeom>
+          <a:noFill/>
+        </p:spPr>
+        <p:txBody>
+          <a:bodyPr wrap="square" rtlCol="0">
+            <a:spAutoFit/>
+          </a:bodyPr>
+          <a:lstStyle/>
+          <a:p>
+            <a:r>
+              <a:rPr lang="de-DE" dirty="0">
+                <a:ea typeface="+mn-lt"/>
+                <a:cs typeface="+mn-lt"/>
+              </a:rPr>
+              <a:t>Keine Verbindung zwischen Code und in ORKG</a:t>
+            </a:r>
+            <a:endParaRPr lang="de-DE" dirty="0"/>
+          </a:p>
+        </p:txBody>
+      </p:sp>
+    </p:spTree>
+    <p:extLst>
+      <p:ext uri="{BB962C8B-B14F-4D97-AF65-F5344CB8AC3E}">
+        <p14:creationId xmlns:p14="http://schemas.microsoft.com/office/powerpoint/2010/main" val="564061367"/>
       </p:ext>
     </p:extLst>
   </p:cSld>
